--- a/submission2/Paper review_23273002_An Improvement of Migration Efficiency.pptx
+++ b/submission2/Paper review_23273002_An Improvement of Migration Efficiency.pptx
@@ -6152,7 +6152,7 @@
         <p:spPr>
           <a:xfrm>
             <a:off x="6096000" y="1321958"/>
-            <a:ext cx="5287861" cy="5293757"/>
+            <a:ext cx="5287861" cy="5355312"/>
           </a:xfrm>
           <a:prstGeom prst="rect">
             <a:avLst/>
@@ -6317,7 +6317,26 @@
                 <a:latin typeface="Times New Roman" panose="02020603050405020304" pitchFamily="18" charset="0"/>
                 <a:cs typeface="Times New Roman" panose="02020603050405020304" pitchFamily="18" charset="0"/>
               </a:rPr>
-              <a:t>, and OTF-AST. Nevertheless, they are primarily made for stand-alone storage servers and do not fully account for distributed storage systems' heterogeneity and network overhead.</a:t>
+              <a:t>, and OTF-AST </a:t>
+            </a:r>
+            <a:r>
+              <a:rPr lang="en-US" sz="1800" dirty="0">
+                <a:effectLst/>
+                <a:latin typeface="Times New Roman" panose="02020603050405020304" pitchFamily="18" charset="0"/>
+                <a:ea typeface="Calibri" panose="020F0502020204030204" pitchFamily="34" charset="0"/>
+              </a:rPr>
+              <a:t>[1]</a:t>
+            </a:r>
+            <a:r>
+              <a:rPr lang="en-US" sz="1400" b="0" i="0" dirty="0">
+                <a:solidFill>
+                  <a:srgbClr val="111111"/>
+                </a:solidFill>
+                <a:effectLst/>
+                <a:latin typeface="Times New Roman" panose="02020603050405020304" pitchFamily="18" charset="0"/>
+                <a:cs typeface="Times New Roman" panose="02020603050405020304" pitchFamily="18" charset="0"/>
+              </a:rPr>
+              <a:t>. Nevertheless, they are primarily made for stand-alone storage servers and do not fully account for distributed storage systems' heterogeneity and network overhead.</a:t>
             </a:r>
           </a:p>
           <a:p>
@@ -7584,8 +7603,8 @@
         </p:nvSpPr>
         <p:spPr>
           <a:xfrm>
-            <a:off x="5703160" y="843677"/>
-            <a:ext cx="6333688" cy="5170646"/>
+            <a:off x="5551056" y="843677"/>
+            <a:ext cx="6485792" cy="5386090"/>
           </a:xfrm>
           <a:prstGeom prst="rect">
             <a:avLst/>
@@ -7672,7 +7691,26 @@
                 <a:latin typeface="Times New Roman" panose="02020603050405020304" pitchFamily="18" charset="0"/>
                 <a:cs typeface="Times New Roman" panose="02020603050405020304" pitchFamily="18" charset="0"/>
               </a:rPr>
-              <a:t>Network nodes are classified into two types: storage nodes and client nodes.</a:t>
+              <a:t>Network nodes are classified into two types: storage nodes and client nodes </a:t>
+            </a:r>
+            <a:r>
+              <a:rPr lang="en-US" sz="1800" dirty="0">
+                <a:effectLst/>
+                <a:latin typeface="Times New Roman" panose="02020603050405020304" pitchFamily="18" charset="0"/>
+                <a:ea typeface="Calibri" panose="020F0502020204030204" pitchFamily="34" charset="0"/>
+              </a:rPr>
+              <a:t>[1]</a:t>
+            </a:r>
+            <a:r>
+              <a:rPr lang="en-US" sz="1600" b="0" i="0" dirty="0">
+                <a:solidFill>
+                  <a:srgbClr val="111111"/>
+                </a:solidFill>
+                <a:effectLst/>
+                <a:latin typeface="Times New Roman" panose="02020603050405020304" pitchFamily="18" charset="0"/>
+                <a:cs typeface="Times New Roman" panose="02020603050405020304" pitchFamily="18" charset="0"/>
+              </a:rPr>
+              <a:t>.</a:t>
             </a:r>
           </a:p>
           <a:p>
@@ -7689,7 +7727,26 @@
                 <a:latin typeface="Times New Roman" panose="02020603050405020304" pitchFamily="18" charset="0"/>
                 <a:cs typeface="Times New Roman" panose="02020603050405020304" pitchFamily="18" charset="0"/>
               </a:rPr>
-              <a:t>Storage nodes have a public storage area, and client nodes remotely mount that storage area.</a:t>
+              <a:t>Storage nodes have a public storage area, and client nodes remotely mount that storage area </a:t>
+            </a:r>
+            <a:r>
+              <a:rPr lang="en-US" sz="1800" dirty="0">
+                <a:effectLst/>
+                <a:latin typeface="Times New Roman" panose="02020603050405020304" pitchFamily="18" charset="0"/>
+                <a:ea typeface="Calibri" panose="020F0502020204030204" pitchFamily="34" charset="0"/>
+              </a:rPr>
+              <a:t>[1]</a:t>
+            </a:r>
+            <a:r>
+              <a:rPr lang="en-US" sz="1600" b="0" i="0" dirty="0">
+                <a:solidFill>
+                  <a:srgbClr val="111111"/>
+                </a:solidFill>
+                <a:effectLst/>
+                <a:latin typeface="Times New Roman" panose="02020603050405020304" pitchFamily="18" charset="0"/>
+                <a:cs typeface="Times New Roman" panose="02020603050405020304" pitchFamily="18" charset="0"/>
+              </a:rPr>
+              <a:t>.</a:t>
             </a:r>
           </a:p>
           <a:p>
@@ -7731,7 +7788,26 @@
                 <a:latin typeface="Times New Roman" panose="02020603050405020304" pitchFamily="18" charset="0"/>
                 <a:cs typeface="Times New Roman" panose="02020603050405020304" pitchFamily="18" charset="0"/>
               </a:rPr>
-              <a:t>Each storage node periodically exchanges its current status using a data structure called storage information.</a:t>
+              <a:t>Each storage node periodically exchanges its current status using a data structure called storage information </a:t>
+            </a:r>
+            <a:r>
+              <a:rPr lang="en-US" sz="1800" dirty="0">
+                <a:effectLst/>
+                <a:latin typeface="Times New Roman" panose="02020603050405020304" pitchFamily="18" charset="0"/>
+                <a:ea typeface="Calibri" panose="020F0502020204030204" pitchFamily="34" charset="0"/>
+              </a:rPr>
+              <a:t>[1]</a:t>
+            </a:r>
+            <a:r>
+              <a:rPr lang="en-US" sz="1600" b="0" i="0" dirty="0">
+                <a:solidFill>
+                  <a:srgbClr val="111111"/>
+                </a:solidFill>
+                <a:effectLst/>
+                <a:latin typeface="Times New Roman" panose="02020603050405020304" pitchFamily="18" charset="0"/>
+                <a:cs typeface="Times New Roman" panose="02020603050405020304" pitchFamily="18" charset="0"/>
+              </a:rPr>
+              <a:t>.</a:t>
             </a:r>
           </a:p>
           <a:p>
@@ -7748,7 +7824,26 @@
                 <a:latin typeface="Times New Roman" panose="02020603050405020304" pitchFamily="18" charset="0"/>
                 <a:cs typeface="Times New Roman" panose="02020603050405020304" pitchFamily="18" charset="0"/>
               </a:rPr>
-              <a:t>This includes available storage space and effective throughput.</a:t>
+              <a:t>This includes available storage space and effective throughput </a:t>
+            </a:r>
+            <a:r>
+              <a:rPr lang="en-US" sz="1800" dirty="0">
+                <a:effectLst/>
+                <a:latin typeface="Times New Roman" panose="02020603050405020304" pitchFamily="18" charset="0"/>
+                <a:ea typeface="Calibri" panose="020F0502020204030204" pitchFamily="34" charset="0"/>
+              </a:rPr>
+              <a:t>[1]</a:t>
+            </a:r>
+            <a:r>
+              <a:rPr lang="en-US" sz="1600" b="0" i="0" dirty="0">
+                <a:solidFill>
+                  <a:srgbClr val="111111"/>
+                </a:solidFill>
+                <a:effectLst/>
+                <a:latin typeface="Times New Roman" panose="02020603050405020304" pitchFamily="18" charset="0"/>
+                <a:cs typeface="Times New Roman" panose="02020603050405020304" pitchFamily="18" charset="0"/>
+              </a:rPr>
+              <a:t>.</a:t>
             </a:r>
           </a:p>
           <a:p>
@@ -7790,7 +7885,26 @@
                 <a:latin typeface="Times New Roman" panose="02020603050405020304" pitchFamily="18" charset="0"/>
                 <a:cs typeface="Times New Roman" panose="02020603050405020304" pitchFamily="18" charset="0"/>
               </a:rPr>
-              <a:t>Storage nodes are ranked based on their effective performance.</a:t>
+              <a:t>Storage nodes are ranked based on their effective performance </a:t>
+            </a:r>
+            <a:r>
+              <a:rPr lang="en-US" sz="1800" dirty="0">
+                <a:effectLst/>
+                <a:latin typeface="Times New Roman" panose="02020603050405020304" pitchFamily="18" charset="0"/>
+                <a:ea typeface="Calibri" panose="020F0502020204030204" pitchFamily="34" charset="0"/>
+              </a:rPr>
+              <a:t>[1]</a:t>
+            </a:r>
+            <a:r>
+              <a:rPr lang="en-US" sz="1600" b="0" i="0" dirty="0">
+                <a:solidFill>
+                  <a:srgbClr val="111111"/>
+                </a:solidFill>
+                <a:effectLst/>
+                <a:latin typeface="Times New Roman" panose="02020603050405020304" pitchFamily="18" charset="0"/>
+                <a:cs typeface="Times New Roman" panose="02020603050405020304" pitchFamily="18" charset="0"/>
+              </a:rPr>
+              <a:t>.</a:t>
             </a:r>
           </a:p>
           <a:p>
@@ -7807,7 +7921,26 @@
                 <a:latin typeface="Times New Roman" panose="02020603050405020304" pitchFamily="18" charset="0"/>
                 <a:cs typeface="Times New Roman" panose="02020603050405020304" pitchFamily="18" charset="0"/>
               </a:rPr>
-              <a:t>This ranking is used to stratify the nodes into storage tiers.</a:t>
+              <a:t>This ranking is used to stratify the nodes into storage tiers </a:t>
+            </a:r>
+            <a:r>
+              <a:rPr lang="en-US" sz="1800" dirty="0">
+                <a:effectLst/>
+                <a:latin typeface="Times New Roman" panose="02020603050405020304" pitchFamily="18" charset="0"/>
+                <a:ea typeface="Calibri" panose="020F0502020204030204" pitchFamily="34" charset="0"/>
+              </a:rPr>
+              <a:t>[1]</a:t>
+            </a:r>
+            <a:r>
+              <a:rPr lang="en-US" sz="1600" b="0" i="0" dirty="0">
+                <a:solidFill>
+                  <a:srgbClr val="111111"/>
+                </a:solidFill>
+                <a:effectLst/>
+                <a:latin typeface="Times New Roman" panose="02020603050405020304" pitchFamily="18" charset="0"/>
+                <a:cs typeface="Times New Roman" panose="02020603050405020304" pitchFamily="18" charset="0"/>
+              </a:rPr>
+              <a:t>.</a:t>
             </a:r>
           </a:p>
           <a:p>
@@ -7849,7 +7982,26 @@
                 <a:latin typeface="Times New Roman" panose="02020603050405020304" pitchFamily="18" charset="0"/>
                 <a:cs typeface="Times New Roman" panose="02020603050405020304" pitchFamily="18" charset="0"/>
               </a:rPr>
-              <a:t>The system uses dynamic tiering and migration policies to optimize data block location.</a:t>
+              <a:t>The system uses dynamic tiering and migration policies to optimize data block location </a:t>
+            </a:r>
+            <a:r>
+              <a:rPr lang="en-US" sz="1800" dirty="0">
+                <a:effectLst/>
+                <a:latin typeface="Times New Roman" panose="02020603050405020304" pitchFamily="18" charset="0"/>
+                <a:ea typeface="Calibri" panose="020F0502020204030204" pitchFamily="34" charset="0"/>
+              </a:rPr>
+              <a:t>[1]</a:t>
+            </a:r>
+            <a:r>
+              <a:rPr lang="en-US" sz="1600" b="0" i="0" dirty="0">
+                <a:solidFill>
+                  <a:srgbClr val="111111"/>
+                </a:solidFill>
+                <a:effectLst/>
+                <a:latin typeface="Times New Roman" panose="02020603050405020304" pitchFamily="18" charset="0"/>
+                <a:cs typeface="Times New Roman" panose="02020603050405020304" pitchFamily="18" charset="0"/>
+              </a:rPr>
+              <a:t>.</a:t>
             </a:r>
           </a:p>
           <a:p>
@@ -7866,7 +8018,15 @@
                 <a:latin typeface="Times New Roman" panose="02020603050405020304" pitchFamily="18" charset="0"/>
                 <a:cs typeface="Times New Roman" panose="02020603050405020304" pitchFamily="18" charset="0"/>
               </a:rPr>
-              <a:t>This includes original and enhanced migration policies, which balance data concentration and migration efficiency</a:t>
+              <a:t>This includes original and enhanced migration policies, which balance data concentration and migration efficiency </a:t>
+            </a:r>
+            <a:r>
+              <a:rPr lang="en-US" sz="1800" dirty="0">
+                <a:effectLst/>
+                <a:latin typeface="Times New Roman" panose="02020603050405020304" pitchFamily="18" charset="0"/>
+                <a:ea typeface="Calibri" panose="020F0502020204030204" pitchFamily="34" charset="0"/>
+              </a:rPr>
+              <a:t>[1]</a:t>
             </a:r>
             <a:r>
               <a:rPr lang="en-US" b="0" i="0" dirty="0">
@@ -8029,7 +8189,7 @@
                 <a:latin typeface="Times New Roman" panose="02020603050405020304" pitchFamily="18" charset="0"/>
                 <a:cs typeface="Times New Roman" panose="02020603050405020304" pitchFamily="18" charset="0"/>
               </a:rPr>
-              <a:t>: The data block migration is performed conservatively to prevent concentration of frequently accessed data blocks to a specific storage node. However, this might slow down the spreading speed of data blocks to be migrated.</a:t>
+              <a:t>: To avoid concentrating frequently accessed data blocks on one storage node, the data block migration is carried out cautiously. This could, however, slow down the rate at which the migrated data blocks spread.</a:t>
             </a:r>
           </a:p>
           <a:p>
@@ -8099,7 +8259,7 @@
                 <a:latin typeface="Times New Roman" panose="02020603050405020304" pitchFamily="18" charset="0"/>
                 <a:cs typeface="Times New Roman" panose="02020603050405020304" pitchFamily="18" charset="0"/>
               </a:rPr>
-              <a:t>: The original policy where the lowermost storage node in the upper storage tier or the topmost storage node in the lower storage tier is selected as the destination. This policy allows for high dispersion of data migration.</a:t>
+              <a:t>: The initial policy designates the destination as either the topmost storage node in the lower storage tier or the lowest storage node in the upper storage tier. This policy permits a high degree of data migration dispersion..</a:t>
             </a:r>
           </a:p>
           <a:p>
@@ -8127,7 +8287,7 @@
                 <a:latin typeface="Times New Roman" panose="02020603050405020304" pitchFamily="18" charset="0"/>
                 <a:cs typeface="Times New Roman" panose="02020603050405020304" pitchFamily="18" charset="0"/>
               </a:rPr>
-              <a:t>: The most aggressive data migration policy. If a storage node migrates a data block to the upper storage tier, the top storage node in the upper storage tier is chosen as the destination.</a:t>
+              <a:t>: The most forceful approach to data migration. The top storage node in the upper storage tier is selected as the destination when a storage node migrates a data block there.</a:t>
             </a:r>
           </a:p>
           <a:p>
@@ -8155,7 +8315,28 @@
                 <a:latin typeface="Times New Roman" panose="02020603050405020304" pitchFamily="18" charset="0"/>
                 <a:cs typeface="Times New Roman" panose="02020603050405020304" pitchFamily="18" charset="0"/>
               </a:rPr>
-              <a:t>: A moderate policy. The migration source node chooses the middle storage node in the upper or lower storage tier as the destination. This policy balances the avoidance of data concentration and improvement of migration efficiency.</a:t>
+              <a:t>: </a:t>
+            </a:r>
+            <a:r>
+              <a:rPr lang="en-US" sz="1500" dirty="0">
+                <a:solidFill>
+                  <a:srgbClr val="000000"/>
+                </a:solidFill>
+                <a:latin typeface="Times New Roman" panose="02020603050405020304" pitchFamily="18" charset="0"/>
+                <a:cs typeface="Times New Roman" panose="02020603050405020304" pitchFamily="18" charset="0"/>
+              </a:rPr>
+              <a:t>A</a:t>
+            </a:r>
+            <a:r>
+              <a:rPr lang="en-US" sz="1500" b="0" i="0" dirty="0">
+                <a:solidFill>
+                  <a:srgbClr val="000000"/>
+                </a:solidFill>
+                <a:effectLst/>
+                <a:latin typeface="Times New Roman" panose="02020603050405020304" pitchFamily="18" charset="0"/>
+                <a:cs typeface="Times New Roman" panose="02020603050405020304" pitchFamily="18" charset="0"/>
+              </a:rPr>
+              <a:t> lenient approach. The middle storage node in either the upper or lower storage tier is selected as the destination by the migration source node. This policy strikes a balance between reducing data concentration and increasing migration efficiency..</a:t>
             </a:r>
           </a:p>
         </p:txBody>
@@ -8438,8 +8619,21 @@
                 <a:latin typeface="Times New Roman" panose="02020603050405020304" pitchFamily="18" charset="0"/>
                 <a:cs typeface="Times New Roman" panose="02020603050405020304" pitchFamily="18" charset="0"/>
               </a:rPr>
-              <a:t>The execution time using Policy (3) is consistently shorter than the execution time using Policy (2) in all cases.</a:t>
-            </a:r>
+              <a:t>The execution time using Policy (3) is consistently shorter than the execution time using Policy (2) in all cases. </a:t>
+            </a:r>
+            <a:r>
+              <a:rPr lang="en-US" sz="1800" dirty="0">
+                <a:effectLst/>
+                <a:latin typeface="Times New Roman" panose="02020603050405020304" pitchFamily="18" charset="0"/>
+                <a:ea typeface="Calibri" panose="020F0502020204030204" pitchFamily="34" charset="0"/>
+              </a:rPr>
+              <a:t>[1]</a:t>
+            </a:r>
+            <a:endParaRPr lang="en-US" b="0" i="0" dirty="0">
+              <a:effectLst/>
+              <a:latin typeface="Times New Roman" panose="02020603050405020304" pitchFamily="18" charset="0"/>
+              <a:cs typeface="Times New Roman" panose="02020603050405020304" pitchFamily="18" charset="0"/>
+            </a:endParaRPr>
           </a:p>
           <a:p>
             <a:pPr marL="285750" indent="-285750" algn="just">
@@ -8452,8 +8646,21 @@
                 <a:latin typeface="Times New Roman" panose="02020603050405020304" pitchFamily="18" charset="0"/>
                 <a:cs typeface="Times New Roman" panose="02020603050405020304" pitchFamily="18" charset="0"/>
               </a:rPr>
-              <a:t>The maximum improvement in execution time reached 31.5% in certain conditions.</a:t>
-            </a:r>
+              <a:t>The maximum improvement in execution time reached 31.5% in certain conditions. </a:t>
+            </a:r>
+            <a:r>
+              <a:rPr lang="en-US" sz="1800" dirty="0">
+                <a:effectLst/>
+                <a:latin typeface="Times New Roman" panose="02020603050405020304" pitchFamily="18" charset="0"/>
+                <a:ea typeface="Calibri" panose="020F0502020204030204" pitchFamily="34" charset="0"/>
+              </a:rPr>
+              <a:t>[1]</a:t>
+            </a:r>
+            <a:endParaRPr lang="en-US" b="0" i="0" dirty="0">
+              <a:effectLst/>
+              <a:latin typeface="Times New Roman" panose="02020603050405020304" pitchFamily="18" charset="0"/>
+              <a:cs typeface="Times New Roman" panose="02020603050405020304" pitchFamily="18" charset="0"/>
+            </a:endParaRPr>
           </a:p>
           <a:p>
             <a:pPr marL="285750" indent="-285750" algn="just">
@@ -8466,8 +8673,21 @@
                 <a:latin typeface="Times New Roman" panose="02020603050405020304" pitchFamily="18" charset="0"/>
                 <a:cs typeface="Times New Roman" panose="02020603050405020304" pitchFamily="18" charset="0"/>
               </a:rPr>
-              <a:t>Policy (3) consistently achieved performance improvement in most cases, not only in large systems.</a:t>
-            </a:r>
+              <a:t>Policy (3) consistently achieved performance improvement in most cases, not only in large systems. </a:t>
+            </a:r>
+            <a:r>
+              <a:rPr lang="en-US" sz="1800" dirty="0">
+                <a:effectLst/>
+                <a:latin typeface="Times New Roman" panose="02020603050405020304" pitchFamily="18" charset="0"/>
+                <a:ea typeface="Calibri" panose="020F0502020204030204" pitchFamily="34" charset="0"/>
+              </a:rPr>
+              <a:t>[1]</a:t>
+            </a:r>
+            <a:endParaRPr lang="en-US" b="0" i="0" dirty="0">
+              <a:effectLst/>
+              <a:latin typeface="Times New Roman" panose="02020603050405020304" pitchFamily="18" charset="0"/>
+              <a:cs typeface="Times New Roman" panose="02020603050405020304" pitchFamily="18" charset="0"/>
+            </a:endParaRPr>
           </a:p>
         </p:txBody>
       </p:sp>
@@ -8541,8 +8761,21 @@
                 <a:latin typeface="Times New Roman" panose="02020603050405020304" pitchFamily="18" charset="0"/>
                 <a:cs typeface="Times New Roman" panose="02020603050405020304" pitchFamily="18" charset="0"/>
               </a:rPr>
-              <a:t>In conditions where the number of client nodes is low, Policy (2) had a more harmful effect on execution time compared to Policy (1).</a:t>
-            </a:r>
+              <a:t>In conditions where the number of client nodes is low, Policy (2) had a more harmful effect on execution time compared to Policy (1). </a:t>
+            </a:r>
+            <a:r>
+              <a:rPr lang="en-US" sz="1800" dirty="0">
+                <a:effectLst/>
+                <a:latin typeface="Times New Roman" panose="02020603050405020304" pitchFamily="18" charset="0"/>
+                <a:ea typeface="Calibri" panose="020F0502020204030204" pitchFamily="34" charset="0"/>
+              </a:rPr>
+              <a:t>[1]</a:t>
+            </a:r>
+            <a:endParaRPr lang="en-US" b="0" i="0" dirty="0">
+              <a:effectLst/>
+              <a:latin typeface="Times New Roman" panose="02020603050405020304" pitchFamily="18" charset="0"/>
+              <a:cs typeface="Times New Roman" panose="02020603050405020304" pitchFamily="18" charset="0"/>
+            </a:endParaRPr>
           </a:p>
           <a:p>
             <a:pPr marL="285750" indent="-285750" algn="just">
@@ -8557,6 +8790,19 @@
               </a:rPr>
               <a:t>In conditions where the number of client nodes is large compared to the number of storage nodes, the enhanced migration policies effectively reduced the execution time.</a:t>
             </a:r>
+            <a:r>
+              <a:rPr lang="en-US" sz="1800" dirty="0">
+                <a:effectLst/>
+                <a:latin typeface="Times New Roman" panose="02020603050405020304" pitchFamily="18" charset="0"/>
+                <a:ea typeface="Calibri" panose="020F0502020204030204" pitchFamily="34" charset="0"/>
+              </a:rPr>
+              <a:t> [1]</a:t>
+            </a:r>
+            <a:endParaRPr lang="en-US" b="0" i="0" dirty="0">
+              <a:effectLst/>
+              <a:latin typeface="Times New Roman" panose="02020603050405020304" pitchFamily="18" charset="0"/>
+              <a:cs typeface="Times New Roman" panose="02020603050405020304" pitchFamily="18" charset="0"/>
+            </a:endParaRPr>
           </a:p>
           <a:p>
             <a:pPr marL="285750" indent="-285750" algn="just">
@@ -8571,6 +8817,19 @@
               </a:rPr>
               <a:t>The performance improvements by the enhanced migration policies declined overall, especially in certain conditions where the reduction in execution time was only under 10%.</a:t>
             </a:r>
+            <a:r>
+              <a:rPr lang="en-US" sz="1800" dirty="0">
+                <a:effectLst/>
+                <a:latin typeface="Times New Roman" panose="02020603050405020304" pitchFamily="18" charset="0"/>
+                <a:ea typeface="Calibri" panose="020F0502020204030204" pitchFamily="34" charset="0"/>
+              </a:rPr>
+              <a:t> [1]</a:t>
+            </a:r>
+            <a:endParaRPr lang="en-US" b="0" i="0" dirty="0">
+              <a:effectLst/>
+              <a:latin typeface="Times New Roman" panose="02020603050405020304" pitchFamily="18" charset="0"/>
+              <a:cs typeface="Times New Roman" panose="02020603050405020304" pitchFamily="18" charset="0"/>
+            </a:endParaRPr>
           </a:p>
         </p:txBody>
       </p:sp>
@@ -8589,7 +8848,7 @@
         <p:spPr>
           <a:xfrm>
             <a:off x="8925885" y="1496418"/>
-            <a:ext cx="3161125" cy="4247317"/>
+            <a:ext cx="3161125" cy="4524315"/>
           </a:xfrm>
           <a:prstGeom prst="rect">
             <a:avLst/>
@@ -8631,8 +8890,21 @@
                 <a:latin typeface="Times New Roman" panose="02020603050405020304" pitchFamily="18" charset="0"/>
                 <a:cs typeface="Times New Roman" panose="02020603050405020304" pitchFamily="18" charset="0"/>
               </a:rPr>
-              <a:t>Policy (3) consistently achieved shorter execution times compared to Policy (2) in all cases.</a:t>
-            </a:r>
+              <a:t>Policy (3) consistently achieved shorter execution times compared to Policy (2) in all cases. </a:t>
+            </a:r>
+            <a:r>
+              <a:rPr lang="en-US" sz="1800" dirty="0">
+                <a:effectLst/>
+                <a:latin typeface="Times New Roman" panose="02020603050405020304" pitchFamily="18" charset="0"/>
+                <a:ea typeface="Calibri" panose="020F0502020204030204" pitchFamily="34" charset="0"/>
+              </a:rPr>
+              <a:t>[1]</a:t>
+            </a:r>
+            <a:endParaRPr lang="en-US" b="0" i="0" dirty="0">
+              <a:effectLst/>
+              <a:latin typeface="Times New Roman" panose="02020603050405020304" pitchFamily="18" charset="0"/>
+              <a:cs typeface="Times New Roman" panose="02020603050405020304" pitchFamily="18" charset="0"/>
+            </a:endParaRPr>
           </a:p>
           <a:p>
             <a:pPr marL="285750" indent="-285750" algn="just">
@@ -8645,8 +8917,21 @@
                 <a:latin typeface="Times New Roman" panose="02020603050405020304" pitchFamily="18" charset="0"/>
                 <a:cs typeface="Times New Roman" panose="02020603050405020304" pitchFamily="18" charset="0"/>
               </a:rPr>
-              <a:t>The improvement in execution time using Policy (3) was remarkable, reaching a maximum improvement of 31.5% in certain conditions.</a:t>
-            </a:r>
+              <a:t>The improvement in execution time using Policy (3) was remarkable, reaching a maximum improvement of 31.5% in certain conditions. </a:t>
+            </a:r>
+            <a:r>
+              <a:rPr lang="en-US" sz="1800" dirty="0">
+                <a:effectLst/>
+                <a:latin typeface="Times New Roman" panose="02020603050405020304" pitchFamily="18" charset="0"/>
+                <a:ea typeface="Calibri" panose="020F0502020204030204" pitchFamily="34" charset="0"/>
+              </a:rPr>
+              <a:t>[1]</a:t>
+            </a:r>
+            <a:endParaRPr lang="en-US" b="0" i="0" dirty="0">
+              <a:effectLst/>
+              <a:latin typeface="Times New Roman" panose="02020603050405020304" pitchFamily="18" charset="0"/>
+              <a:cs typeface="Times New Roman" panose="02020603050405020304" pitchFamily="18" charset="0"/>
+            </a:endParaRPr>
           </a:p>
           <a:p>
             <a:pPr marL="285750" indent="-285750" algn="just">
@@ -8659,7 +8944,23 @@
                 <a:latin typeface="Times New Roman" panose="02020603050405020304" pitchFamily="18" charset="0"/>
                 <a:cs typeface="Times New Roman" panose="02020603050405020304" pitchFamily="18" charset="0"/>
               </a:rPr>
-              <a:t>Policy (3) can achieve consistent performance improvement in most cases, not only in large systems.</a:t>
+              <a:t>Policy (3) can achieve consistent performance improvement in most cases, not only in large systems </a:t>
+            </a:r>
+            <a:r>
+              <a:rPr lang="en-US" sz="1800" dirty="0">
+                <a:effectLst/>
+                <a:latin typeface="Times New Roman" panose="02020603050405020304" pitchFamily="18" charset="0"/>
+                <a:ea typeface="Calibri" panose="020F0502020204030204" pitchFamily="34" charset="0"/>
+              </a:rPr>
+              <a:t>[1]</a:t>
+            </a:r>
+            <a:r>
+              <a:rPr lang="en-US" b="0" i="0" dirty="0">
+                <a:effectLst/>
+                <a:latin typeface="Times New Roman" panose="02020603050405020304" pitchFamily="18" charset="0"/>
+                <a:cs typeface="Times New Roman" panose="02020603050405020304" pitchFamily="18" charset="0"/>
+              </a:rPr>
+              <a:t>.</a:t>
             </a:r>
           </a:p>
         </p:txBody>
